--- a/Netzwerk.pptx
+++ b/Netzwerk.pptx
@@ -104,6 +104,11 @@
       </a:defRPr>
     </a:lvl9pPr>
   </p:defaultTextStyle>
+  <p:extLst>
+    <p:ext uri="{EFAFB233-063F-42B5-8137-9DF3F51BA10A}">
+      <p15:sldGuideLst xmlns:p15="http://schemas.microsoft.com/office/powerpoint/2012/main"/>
+    </p:ext>
+  </p:extLst>
 </p:presentation>
 </file>
 
@@ -254,7 +259,7 @@
           <a:p>
             <a:fld id="{85E550AB-A8C9-4B27-B62B-3F93EB6E906B}" type="datetimeFigureOut">
               <a:rPr lang="de-DE" smtClean="0"/>
-              <a:t>30.08.2020</a:t>
+              <a:t>31.08.2020</a:t>
             </a:fld>
             <a:endParaRPr lang="de-DE"/>
           </a:p>
@@ -452,7 +457,7 @@
           <a:p>
             <a:fld id="{85E550AB-A8C9-4B27-B62B-3F93EB6E906B}" type="datetimeFigureOut">
               <a:rPr lang="de-DE" smtClean="0"/>
-              <a:t>30.08.2020</a:t>
+              <a:t>31.08.2020</a:t>
             </a:fld>
             <a:endParaRPr lang="de-DE"/>
           </a:p>
@@ -660,7 +665,7 @@
           <a:p>
             <a:fld id="{85E550AB-A8C9-4B27-B62B-3F93EB6E906B}" type="datetimeFigureOut">
               <a:rPr lang="de-DE" smtClean="0"/>
-              <a:t>30.08.2020</a:t>
+              <a:t>31.08.2020</a:t>
             </a:fld>
             <a:endParaRPr lang="de-DE"/>
           </a:p>
@@ -858,7 +863,7 @@
           <a:p>
             <a:fld id="{85E550AB-A8C9-4B27-B62B-3F93EB6E906B}" type="datetimeFigureOut">
               <a:rPr lang="de-DE" smtClean="0"/>
-              <a:t>30.08.2020</a:t>
+              <a:t>31.08.2020</a:t>
             </a:fld>
             <a:endParaRPr lang="de-DE"/>
           </a:p>
@@ -1133,7 +1138,7 @@
           <a:p>
             <a:fld id="{85E550AB-A8C9-4B27-B62B-3F93EB6E906B}" type="datetimeFigureOut">
               <a:rPr lang="de-DE" smtClean="0"/>
-              <a:t>30.08.2020</a:t>
+              <a:t>31.08.2020</a:t>
             </a:fld>
             <a:endParaRPr lang="de-DE"/>
           </a:p>
@@ -1398,7 +1403,7 @@
           <a:p>
             <a:fld id="{85E550AB-A8C9-4B27-B62B-3F93EB6E906B}" type="datetimeFigureOut">
               <a:rPr lang="de-DE" smtClean="0"/>
-              <a:t>30.08.2020</a:t>
+              <a:t>31.08.2020</a:t>
             </a:fld>
             <a:endParaRPr lang="de-DE"/>
           </a:p>
@@ -1810,7 +1815,7 @@
           <a:p>
             <a:fld id="{85E550AB-A8C9-4B27-B62B-3F93EB6E906B}" type="datetimeFigureOut">
               <a:rPr lang="de-DE" smtClean="0"/>
-              <a:t>30.08.2020</a:t>
+              <a:t>31.08.2020</a:t>
             </a:fld>
             <a:endParaRPr lang="de-DE"/>
           </a:p>
@@ -1951,7 +1956,7 @@
           <a:p>
             <a:fld id="{85E550AB-A8C9-4B27-B62B-3F93EB6E906B}" type="datetimeFigureOut">
               <a:rPr lang="de-DE" smtClean="0"/>
-              <a:t>30.08.2020</a:t>
+              <a:t>31.08.2020</a:t>
             </a:fld>
             <a:endParaRPr lang="de-DE"/>
           </a:p>
@@ -2064,7 +2069,7 @@
           <a:p>
             <a:fld id="{85E550AB-A8C9-4B27-B62B-3F93EB6E906B}" type="datetimeFigureOut">
               <a:rPr lang="de-DE" smtClean="0"/>
-              <a:t>30.08.2020</a:t>
+              <a:t>31.08.2020</a:t>
             </a:fld>
             <a:endParaRPr lang="de-DE"/>
           </a:p>
@@ -2375,7 +2380,7 @@
           <a:p>
             <a:fld id="{85E550AB-A8C9-4B27-B62B-3F93EB6E906B}" type="datetimeFigureOut">
               <a:rPr lang="de-DE" smtClean="0"/>
-              <a:t>30.08.2020</a:t>
+              <a:t>31.08.2020</a:t>
             </a:fld>
             <a:endParaRPr lang="de-DE"/>
           </a:p>
@@ -2663,7 +2668,7 @@
           <a:p>
             <a:fld id="{85E550AB-A8C9-4B27-B62B-3F93EB6E906B}" type="datetimeFigureOut">
               <a:rPr lang="de-DE" smtClean="0"/>
-              <a:t>30.08.2020</a:t>
+              <a:t>31.08.2020</a:t>
             </a:fld>
             <a:endParaRPr lang="de-DE"/>
           </a:p>
@@ -2904,7 +2909,7 @@
           <a:p>
             <a:fld id="{85E550AB-A8C9-4B27-B62B-3F93EB6E906B}" type="datetimeFigureOut">
               <a:rPr lang="de-DE" smtClean="0"/>
-              <a:t>30.08.2020</a:t>
+              <a:t>31.08.2020</a:t>
             </a:fld>
             <a:endParaRPr lang="de-DE"/>
           </a:p>
@@ -4274,6 +4279,194 @@
           </a:fontRef>
         </p:style>
       </p:cxnSp>
+      <p:pic>
+        <p:nvPicPr>
+          <p:cNvPr id="20" name="Picture 28">
+            <a:extLst>
+              <a:ext uri="{FF2B5EF4-FFF2-40B4-BE49-F238E27FC236}">
+                <a16:creationId xmlns:a16="http://schemas.microsoft.com/office/drawing/2014/main" id="{5DE4E98B-FCFA-4AF3-83D4-40E61D31CD3A}"/>
+              </a:ext>
+            </a:extLst>
+          </p:cNvPr>
+          <p:cNvPicPr>
+            <a:picLocks noChangeAspect="1" noChangeArrowheads="1"/>
+          </p:cNvPicPr>
+          <p:nvPr/>
+        </p:nvPicPr>
+        <p:blipFill>
+          <a:blip r:embed="rId6">
+            <a:extLst>
+              <a:ext uri="{28A0092B-C50C-407E-A947-70E740481C1C}">
+                <a14:useLocalDpi xmlns:a14="http://schemas.microsoft.com/office/drawing/2010/main" val="0"/>
+              </a:ext>
+            </a:extLst>
+          </a:blip>
+          <a:srcRect/>
+          <a:stretch>
+            <a:fillRect/>
+          </a:stretch>
+        </p:blipFill>
+        <p:spPr bwMode="auto">
+          <a:xfrm>
+            <a:off x="10146214" y="5148553"/>
+            <a:ext cx="1371600" cy="598488"/>
+          </a:xfrm>
+          <a:prstGeom prst="rect">
+            <a:avLst/>
+          </a:prstGeom>
+          <a:noFill/>
+          <a:extLst>
+            <a:ext uri="{909E8E84-426E-40DD-AFC4-6F175D3DCCD1}">
+              <a14:hiddenFill xmlns:a14="http://schemas.microsoft.com/office/drawing/2010/main">
+                <a:solidFill>
+                  <a:srgbClr val="FFFFFF"/>
+                </a:solidFill>
+              </a14:hiddenFill>
+            </a:ext>
+          </a:extLst>
+        </p:spPr>
+      </p:pic>
+      <p:pic>
+        <p:nvPicPr>
+          <p:cNvPr id="22" name="Picture 28">
+            <a:extLst>
+              <a:ext uri="{FF2B5EF4-FFF2-40B4-BE49-F238E27FC236}">
+                <a16:creationId xmlns:a16="http://schemas.microsoft.com/office/drawing/2014/main" id="{641756B9-1D79-495E-B1EC-A4FDB92EAFBD}"/>
+              </a:ext>
+            </a:extLst>
+          </p:cNvPr>
+          <p:cNvPicPr>
+            <a:picLocks noChangeAspect="1" noChangeArrowheads="1"/>
+          </p:cNvPicPr>
+          <p:nvPr/>
+        </p:nvPicPr>
+        <p:blipFill>
+          <a:blip r:embed="rId6">
+            <a:extLst>
+              <a:ext uri="{28A0092B-C50C-407E-A947-70E740481C1C}">
+                <a14:useLocalDpi xmlns:a14="http://schemas.microsoft.com/office/drawing/2010/main" val="0"/>
+              </a:ext>
+            </a:extLst>
+          </a:blip>
+          <a:srcRect/>
+          <a:stretch>
+            <a:fillRect/>
+          </a:stretch>
+        </p:blipFill>
+        <p:spPr bwMode="auto">
+          <a:xfrm>
+            <a:off x="2639577" y="5205703"/>
+            <a:ext cx="1371600" cy="598488"/>
+          </a:xfrm>
+          <a:prstGeom prst="rect">
+            <a:avLst/>
+          </a:prstGeom>
+          <a:noFill/>
+          <a:extLst>
+            <a:ext uri="{909E8E84-426E-40DD-AFC4-6F175D3DCCD1}">
+              <a14:hiddenFill xmlns:a14="http://schemas.microsoft.com/office/drawing/2010/main">
+                <a:solidFill>
+                  <a:srgbClr val="FFFFFF"/>
+                </a:solidFill>
+              </a14:hiddenFill>
+            </a:ext>
+          </a:extLst>
+        </p:spPr>
+      </p:pic>
+      <p:pic>
+        <p:nvPicPr>
+          <p:cNvPr id="23" name="Picture 28">
+            <a:extLst>
+              <a:ext uri="{FF2B5EF4-FFF2-40B4-BE49-F238E27FC236}">
+                <a16:creationId xmlns:a16="http://schemas.microsoft.com/office/drawing/2014/main" id="{F4E0819A-3678-4508-82E3-FF8235B43FF4}"/>
+              </a:ext>
+            </a:extLst>
+          </p:cNvPr>
+          <p:cNvPicPr>
+            <a:picLocks noChangeAspect="1" noChangeArrowheads="1"/>
+          </p:cNvPicPr>
+          <p:nvPr/>
+        </p:nvPicPr>
+        <p:blipFill>
+          <a:blip r:embed="rId6">
+            <a:extLst>
+              <a:ext uri="{28A0092B-C50C-407E-A947-70E740481C1C}">
+                <a14:useLocalDpi xmlns:a14="http://schemas.microsoft.com/office/drawing/2010/main" val="0"/>
+              </a:ext>
+            </a:extLst>
+          </a:blip>
+          <a:srcRect/>
+          <a:stretch>
+            <a:fillRect/>
+          </a:stretch>
+        </p:blipFill>
+        <p:spPr bwMode="auto">
+          <a:xfrm>
+            <a:off x="1420377" y="3391193"/>
+            <a:ext cx="1371600" cy="598488"/>
+          </a:xfrm>
+          <a:prstGeom prst="rect">
+            <a:avLst/>
+          </a:prstGeom>
+          <a:noFill/>
+          <a:extLst>
+            <a:ext uri="{909E8E84-426E-40DD-AFC4-6F175D3DCCD1}">
+              <a14:hiddenFill xmlns:a14="http://schemas.microsoft.com/office/drawing/2010/main">
+                <a:solidFill>
+                  <a:srgbClr val="FFFFFF"/>
+                </a:solidFill>
+              </a14:hiddenFill>
+            </a:ext>
+          </a:extLst>
+        </p:spPr>
+      </p:pic>
+      <p:pic>
+        <p:nvPicPr>
+          <p:cNvPr id="24" name="Picture 28">
+            <a:extLst>
+              <a:ext uri="{FF2B5EF4-FFF2-40B4-BE49-F238E27FC236}">
+                <a16:creationId xmlns:a16="http://schemas.microsoft.com/office/drawing/2014/main" id="{A6BADA39-ACAA-4AC3-B7E2-8D0BDFFE4695}"/>
+              </a:ext>
+            </a:extLst>
+          </p:cNvPr>
+          <p:cNvPicPr>
+            <a:picLocks noChangeAspect="1" noChangeArrowheads="1"/>
+          </p:cNvPicPr>
+          <p:nvPr/>
+        </p:nvPicPr>
+        <p:blipFill>
+          <a:blip r:embed="rId6">
+            <a:extLst>
+              <a:ext uri="{28A0092B-C50C-407E-A947-70E740481C1C}">
+                <a14:useLocalDpi xmlns:a14="http://schemas.microsoft.com/office/drawing/2010/main" val="0"/>
+              </a:ext>
+            </a:extLst>
+          </a:blip>
+          <a:srcRect/>
+          <a:stretch>
+            <a:fillRect/>
+          </a:stretch>
+        </p:blipFill>
+        <p:spPr bwMode="auto">
+          <a:xfrm>
+            <a:off x="10964427" y="2578876"/>
+            <a:ext cx="1371600" cy="598488"/>
+          </a:xfrm>
+          <a:prstGeom prst="rect">
+            <a:avLst/>
+          </a:prstGeom>
+          <a:noFill/>
+          <a:extLst>
+            <a:ext uri="{909E8E84-426E-40DD-AFC4-6F175D3DCCD1}">
+              <a14:hiddenFill xmlns:a14="http://schemas.microsoft.com/office/drawing/2010/main">
+                <a:solidFill>
+                  <a:srgbClr val="FFFFFF"/>
+                </a:solidFill>
+              </a14:hiddenFill>
+            </a:ext>
+          </a:extLst>
+        </p:spPr>
+      </p:pic>
     </p:spTree>
     <p:extLst>
       <p:ext uri="{BB962C8B-B14F-4D97-AF65-F5344CB8AC3E}">
